--- a/Unit 6/Unit 6 For Live Session Ver 2.pptx
+++ b/Unit 6/Unit 6 For Live Session Ver 2.pptx
@@ -2401,7 +2401,7 @@
         </p:nvSpPr>
         <p:spPr>
           <a:xfrm>
-            <a:off x="0" y="2185477"/>
+            <a:off x="0" y="2026451"/>
             <a:ext cx="9144000" cy="3666881"/>
           </a:xfrm>
         </p:spPr>
@@ -2437,13 +2437,13 @@
           <a:p>
             <a:r>
               <a:rPr lang="en-US" sz="1400" dirty="0"/>
-              <a:t>Randomly partition the 891 observations into a smaller “training” set of 600 and a ”testing” set of 391 observations.  </a:t>
+              <a:t>Randomly partition the 891 observations into a smaller “training” set of 600 and a ”testing” set of 291 observations.  </a:t>
             </a:r>
           </a:p>
           <a:p>
             <a:r>
               <a:rPr lang="en-US" sz="1400" dirty="0"/>
-              <a:t>Use KNN and the new training set to classify those who survived and died in the new testing set (the one you just created with 391 observations) using  Age and Class.</a:t>
+              <a:t>Use KNN and the new training set (the 600 observations) to classify those who survived and died in the new testing set (the one you just created with 291 observations) using age and class.</a:t>
             </a:r>
           </a:p>
           <a:p>
@@ -2461,14 +2461,37 @@
           <a:p>
             <a:r>
               <a:rPr lang="en-US" sz="1400" dirty="0"/>
+              <a:t>Create separate models for males and females and compare the resulting classification statistics after using the models to classify those in the test set.  </a:t>
+            </a:r>
+          </a:p>
+          <a:p>
+            <a:r>
+              <a:rPr lang="en-US" sz="1400" dirty="0"/>
+              <a:t>Use </a:t>
+            </a:r>
+            <a:r>
+              <a:rPr lang="en-US" sz="1400" dirty="0" err="1"/>
+              <a:t>ChatGPT</a:t>
+            </a:r>
+            <a:r>
+              <a:rPr lang="en-US" sz="1400" dirty="0"/>
+              <a:t> to attempt this assignment.  Generate and run the code as is. Did it run?  Did it give the desired results?  </a:t>
+            </a:r>
+          </a:p>
+          <a:p>
+            <a:r>
+              <a:rPr lang="en-US" sz="1400"/>
               <a:t>Make a PowerPoint to present in Live Session </a:t>
             </a:r>
           </a:p>
           <a:p>
-            <a:r>
-              <a:rPr lang="en-US" sz="1400" dirty="0"/>
-              <a:t>BONUS: Create separate models for males and females and compare the resulting classification statistics after using the models to classify those in the test set.  </a:t>
-            </a:r>
+            <a:endParaRPr lang="en-US" sz="1400" dirty="0"/>
+          </a:p>
+          <a:p>
+            <a:pPr marL="0" indent="0">
+              <a:buNone/>
+            </a:pPr>
+            <a:endParaRPr lang="en-US" sz="1400" dirty="0"/>
           </a:p>
           <a:p>
             <a:pPr marL="0" indent="0">
@@ -2500,7 +2523,7 @@
         </p:blipFill>
         <p:spPr>
           <a:xfrm>
-            <a:off x="3175672" y="1371600"/>
+            <a:off x="3170451" y="1212574"/>
             <a:ext cx="2803098" cy="813877"/>
           </a:xfrm>
           <a:prstGeom prst="rect">
